--- a/Documentation/ArchitectureAndDesign/CrypToolStore/CrypToolStoreArchitecture.pptx
+++ b/Documentation/ArchitectureAndDesign/CrypToolStore/CrypToolStoreArchitecture.pptx
@@ -104,6 +104,11 @@
       </a:defRPr>
     </a:lvl9pPr>
   </p:defaultTextStyle>
+  <p:extLst>
+    <p:ext uri="{EFAFB233-063F-42B5-8137-9DF3F51BA10A}">
+      <p15:sldGuideLst xmlns:p15="http://schemas.microsoft.com/office/powerpoint/2012/main"/>
+    </p:ext>
+  </p:extLst>
 </p:presentation>
 </file>
 
@@ -238,7 +243,7 @@
           <a:p>
             <a:fld id="{297C41F3-A638-4333-837B-978125DCA1AC}" type="datetimeFigureOut">
               <a:rPr lang="de-DE" smtClean="0"/>
-              <a:t>24.07.2018</a:t>
+              <a:t>01.08.2018</a:t>
             </a:fld>
             <a:endParaRPr lang="de-DE"/>
           </a:p>
@@ -408,7 +413,7 @@
           <a:p>
             <a:fld id="{297C41F3-A638-4333-837B-978125DCA1AC}" type="datetimeFigureOut">
               <a:rPr lang="de-DE" smtClean="0"/>
-              <a:t>24.07.2018</a:t>
+              <a:t>01.08.2018</a:t>
             </a:fld>
             <a:endParaRPr lang="de-DE"/>
           </a:p>
@@ -588,7 +593,7 @@
           <a:p>
             <a:fld id="{297C41F3-A638-4333-837B-978125DCA1AC}" type="datetimeFigureOut">
               <a:rPr lang="de-DE" smtClean="0"/>
-              <a:t>24.07.2018</a:t>
+              <a:t>01.08.2018</a:t>
             </a:fld>
             <a:endParaRPr lang="de-DE"/>
           </a:p>
@@ -758,7 +763,7 @@
           <a:p>
             <a:fld id="{297C41F3-A638-4333-837B-978125DCA1AC}" type="datetimeFigureOut">
               <a:rPr lang="de-DE" smtClean="0"/>
-              <a:t>24.07.2018</a:t>
+              <a:t>01.08.2018</a:t>
             </a:fld>
             <a:endParaRPr lang="de-DE"/>
           </a:p>
@@ -1004,7 +1009,7 @@
           <a:p>
             <a:fld id="{297C41F3-A638-4333-837B-978125DCA1AC}" type="datetimeFigureOut">
               <a:rPr lang="de-DE" smtClean="0"/>
-              <a:t>24.07.2018</a:t>
+              <a:t>01.08.2018</a:t>
             </a:fld>
             <a:endParaRPr lang="de-DE"/>
           </a:p>
@@ -1236,7 +1241,7 @@
           <a:p>
             <a:fld id="{297C41F3-A638-4333-837B-978125DCA1AC}" type="datetimeFigureOut">
               <a:rPr lang="de-DE" smtClean="0"/>
-              <a:t>24.07.2018</a:t>
+              <a:t>01.08.2018</a:t>
             </a:fld>
             <a:endParaRPr lang="de-DE"/>
           </a:p>
@@ -1603,7 +1608,7 @@
           <a:p>
             <a:fld id="{297C41F3-A638-4333-837B-978125DCA1AC}" type="datetimeFigureOut">
               <a:rPr lang="de-DE" smtClean="0"/>
-              <a:t>24.07.2018</a:t>
+              <a:t>01.08.2018</a:t>
             </a:fld>
             <a:endParaRPr lang="de-DE"/>
           </a:p>
@@ -1721,7 +1726,7 @@
           <a:p>
             <a:fld id="{297C41F3-A638-4333-837B-978125DCA1AC}" type="datetimeFigureOut">
               <a:rPr lang="de-DE" smtClean="0"/>
-              <a:t>24.07.2018</a:t>
+              <a:t>01.08.2018</a:t>
             </a:fld>
             <a:endParaRPr lang="de-DE"/>
           </a:p>
@@ -1816,7 +1821,7 @@
           <a:p>
             <a:fld id="{297C41F3-A638-4333-837B-978125DCA1AC}" type="datetimeFigureOut">
               <a:rPr lang="de-DE" smtClean="0"/>
-              <a:t>24.07.2018</a:t>
+              <a:t>01.08.2018</a:t>
             </a:fld>
             <a:endParaRPr lang="de-DE"/>
           </a:p>
@@ -2093,7 +2098,7 @@
           <a:p>
             <a:fld id="{297C41F3-A638-4333-837B-978125DCA1AC}" type="datetimeFigureOut">
               <a:rPr lang="de-DE" smtClean="0"/>
-              <a:t>24.07.2018</a:t>
+              <a:t>01.08.2018</a:t>
             </a:fld>
             <a:endParaRPr lang="de-DE"/>
           </a:p>
@@ -2346,7 +2351,7 @@
           <a:p>
             <a:fld id="{297C41F3-A638-4333-837B-978125DCA1AC}" type="datetimeFigureOut">
               <a:rPr lang="de-DE" smtClean="0"/>
-              <a:t>24.07.2018</a:t>
+              <a:t>01.08.2018</a:t>
             </a:fld>
             <a:endParaRPr lang="de-DE"/>
           </a:p>
@@ -2559,7 +2564,7 @@
           <a:p>
             <a:fld id="{297C41F3-A638-4333-837B-978125DCA1AC}" type="datetimeFigureOut">
               <a:rPr lang="de-DE" smtClean="0"/>
-              <a:t>24.07.2018</a:t>
+              <a:t>01.08.2018</a:t>
             </a:fld>
             <a:endParaRPr lang="de-DE"/>
           </a:p>
@@ -3429,12 +3434,12 @@
           <a:p>
             <a:pPr algn="ctr"/>
             <a:r>
-              <a:rPr lang="en-US" dirty="0" err="1">
+              <a:rPr lang="en-US" dirty="0" err="1" smtClean="0">
                 <a:solidFill>
                   <a:schemeClr val="tx1"/>
                 </a:solidFill>
               </a:rPr>
-              <a:t>CrypToolStoreClient</a:t>
+              <a:t>CrypToolStoreUserClient</a:t>
             </a:r>
             <a:endParaRPr lang="de-DE" dirty="0">
               <a:solidFill>

--- a/Documentation/ArchitectureAndDesign/CrypToolStore/CrypToolStoreArchitecture.pptx
+++ b/Documentation/ArchitectureAndDesign/CrypToolStore/CrypToolStoreArchitecture.pptx
@@ -243,7 +243,7 @@
           <a:p>
             <a:fld id="{297C41F3-A638-4333-837B-978125DCA1AC}" type="datetimeFigureOut">
               <a:rPr lang="de-DE" smtClean="0"/>
-              <a:t>01.08.2018</a:t>
+              <a:t>23.09.2019</a:t>
             </a:fld>
             <a:endParaRPr lang="de-DE"/>
           </a:p>
@@ -413,7 +413,7 @@
           <a:p>
             <a:fld id="{297C41F3-A638-4333-837B-978125DCA1AC}" type="datetimeFigureOut">
               <a:rPr lang="de-DE" smtClean="0"/>
-              <a:t>01.08.2018</a:t>
+              <a:t>23.09.2019</a:t>
             </a:fld>
             <a:endParaRPr lang="de-DE"/>
           </a:p>
@@ -593,7 +593,7 @@
           <a:p>
             <a:fld id="{297C41F3-A638-4333-837B-978125DCA1AC}" type="datetimeFigureOut">
               <a:rPr lang="de-DE" smtClean="0"/>
-              <a:t>01.08.2018</a:t>
+              <a:t>23.09.2019</a:t>
             </a:fld>
             <a:endParaRPr lang="de-DE"/>
           </a:p>
@@ -763,7 +763,7 @@
           <a:p>
             <a:fld id="{297C41F3-A638-4333-837B-978125DCA1AC}" type="datetimeFigureOut">
               <a:rPr lang="de-DE" smtClean="0"/>
-              <a:t>01.08.2018</a:t>
+              <a:t>23.09.2019</a:t>
             </a:fld>
             <a:endParaRPr lang="de-DE"/>
           </a:p>
@@ -1009,7 +1009,7 @@
           <a:p>
             <a:fld id="{297C41F3-A638-4333-837B-978125DCA1AC}" type="datetimeFigureOut">
               <a:rPr lang="de-DE" smtClean="0"/>
-              <a:t>01.08.2018</a:t>
+              <a:t>23.09.2019</a:t>
             </a:fld>
             <a:endParaRPr lang="de-DE"/>
           </a:p>
@@ -1241,7 +1241,7 @@
           <a:p>
             <a:fld id="{297C41F3-A638-4333-837B-978125DCA1AC}" type="datetimeFigureOut">
               <a:rPr lang="de-DE" smtClean="0"/>
-              <a:t>01.08.2018</a:t>
+              <a:t>23.09.2019</a:t>
             </a:fld>
             <a:endParaRPr lang="de-DE"/>
           </a:p>
@@ -1608,7 +1608,7 @@
           <a:p>
             <a:fld id="{297C41F3-A638-4333-837B-978125DCA1AC}" type="datetimeFigureOut">
               <a:rPr lang="de-DE" smtClean="0"/>
-              <a:t>01.08.2018</a:t>
+              <a:t>23.09.2019</a:t>
             </a:fld>
             <a:endParaRPr lang="de-DE"/>
           </a:p>
@@ -1726,7 +1726,7 @@
           <a:p>
             <a:fld id="{297C41F3-A638-4333-837B-978125DCA1AC}" type="datetimeFigureOut">
               <a:rPr lang="de-DE" smtClean="0"/>
-              <a:t>01.08.2018</a:t>
+              <a:t>23.09.2019</a:t>
             </a:fld>
             <a:endParaRPr lang="de-DE"/>
           </a:p>
@@ -1821,7 +1821,7 @@
           <a:p>
             <a:fld id="{297C41F3-A638-4333-837B-978125DCA1AC}" type="datetimeFigureOut">
               <a:rPr lang="de-DE" smtClean="0"/>
-              <a:t>01.08.2018</a:t>
+              <a:t>23.09.2019</a:t>
             </a:fld>
             <a:endParaRPr lang="de-DE"/>
           </a:p>
@@ -2098,7 +2098,7 @@
           <a:p>
             <a:fld id="{297C41F3-A638-4333-837B-978125DCA1AC}" type="datetimeFigureOut">
               <a:rPr lang="de-DE" smtClean="0"/>
-              <a:t>01.08.2018</a:t>
+              <a:t>23.09.2019</a:t>
             </a:fld>
             <a:endParaRPr lang="de-DE"/>
           </a:p>
@@ -2351,7 +2351,7 @@
           <a:p>
             <a:fld id="{297C41F3-A638-4333-837B-978125DCA1AC}" type="datetimeFigureOut">
               <a:rPr lang="de-DE" smtClean="0"/>
-              <a:t>01.08.2018</a:t>
+              <a:t>23.09.2019</a:t>
             </a:fld>
             <a:endParaRPr lang="de-DE"/>
           </a:p>
@@ -2564,7 +2564,7 @@
           <a:p>
             <a:fld id="{297C41F3-A638-4333-837B-978125DCA1AC}" type="datetimeFigureOut">
               <a:rPr lang="de-DE" smtClean="0"/>
-              <a:t>01.08.2018</a:t>
+              <a:t>23.09.2019</a:t>
             </a:fld>
             <a:endParaRPr lang="de-DE"/>
           </a:p>
@@ -3193,15 +3193,14 @@
         <p:nvCxnSpPr>
           <p:cNvPr id="9" name="Straight Arrow Connector 8"/>
           <p:cNvCxnSpPr>
-            <a:stCxn id="4" idx="3"/>
             <a:endCxn id="8" idx="0"/>
           </p:cNvCxnSpPr>
           <p:nvPr/>
         </p:nvCxnSpPr>
         <p:spPr>
-          <a:xfrm>
-            <a:off x="2100648" y="2001794"/>
-            <a:ext cx="0" cy="1229959"/>
+          <a:xfrm flipH="1">
+            <a:off x="2100648" y="1920591"/>
+            <a:ext cx="2570206" cy="1311162"/>
           </a:xfrm>
           <a:prstGeom prst="straightConnector1">
             <a:avLst/>
@@ -3593,106 +3592,6 @@
           </a:p>
         </p:txBody>
       </p:sp>
-      <p:sp>
-        <p:nvSpPr>
-          <p:cNvPr id="26" name="Can 25"/>
-          <p:cNvSpPr/>
-          <p:nvPr/>
-        </p:nvSpPr>
-        <p:spPr>
-          <a:xfrm>
-            <a:off x="790832" y="5621608"/>
-            <a:ext cx="2619632" cy="942391"/>
-          </a:xfrm>
-          <a:prstGeom prst="can">
-            <a:avLst/>
-          </a:prstGeom>
-          <a:solidFill>
-            <a:schemeClr val="bg1"/>
-          </a:solidFill>
-          <a:ln>
-            <a:solidFill>
-              <a:schemeClr val="tx1"/>
-            </a:solidFill>
-          </a:ln>
-        </p:spPr>
-        <p:style>
-          <a:lnRef idx="2">
-            <a:schemeClr val="accent1">
-              <a:shade val="50000"/>
-            </a:schemeClr>
-          </a:lnRef>
-          <a:fillRef idx="1">
-            <a:schemeClr val="accent1"/>
-          </a:fillRef>
-          <a:effectRef idx="0">
-            <a:schemeClr val="accent1"/>
-          </a:effectRef>
-          <a:fontRef idx="minor">
-            <a:schemeClr val="lt1"/>
-          </a:fontRef>
-        </p:style>
-        <p:txBody>
-          <a:bodyPr rtlCol="0" anchor="ctr"/>
-          <a:lstStyle/>
-          <a:p>
-            <a:pPr algn="ctr"/>
-            <a:r>
-              <a:rPr lang="de-DE" dirty="0" smtClean="0">
-                <a:solidFill>
-                  <a:schemeClr val="tx1"/>
-                </a:solidFill>
-              </a:rPr>
-              <a:t>CT2 Subversion</a:t>
-            </a:r>
-            <a:endParaRPr lang="de-DE" dirty="0">
-              <a:solidFill>
-                <a:schemeClr val="tx1"/>
-              </a:solidFill>
-            </a:endParaRPr>
-          </a:p>
-        </p:txBody>
-      </p:sp>
-      <p:cxnSp>
-        <p:nvCxnSpPr>
-          <p:cNvPr id="27" name="Straight Arrow Connector 26"/>
-          <p:cNvCxnSpPr>
-            <a:stCxn id="8" idx="2"/>
-            <a:endCxn id="26" idx="1"/>
-          </p:cNvCxnSpPr>
-          <p:nvPr/>
-        </p:nvCxnSpPr>
-        <p:spPr>
-          <a:xfrm>
-            <a:off x="2100648" y="4862845"/>
-            <a:ext cx="0" cy="758763"/>
-          </a:xfrm>
-          <a:prstGeom prst="straightConnector1">
-            <a:avLst/>
-          </a:prstGeom>
-          <a:ln w="25400">
-            <a:solidFill>
-              <a:schemeClr val="tx1"/>
-            </a:solidFill>
-            <a:headEnd type="triangle"/>
-            <a:tailEnd type="triangle"/>
-          </a:ln>
-        </p:spPr>
-        <p:style>
-          <a:lnRef idx="1">
-            <a:schemeClr val="accent1"/>
-          </a:lnRef>
-          <a:fillRef idx="0">
-            <a:schemeClr val="accent1"/>
-          </a:fillRef>
-          <a:effectRef idx="0">
-            <a:schemeClr val="accent1"/>
-          </a:effectRef>
-          <a:fontRef idx="minor">
-            <a:schemeClr val="tx1"/>
-          </a:fontRef>
-        </p:style>
-      </p:cxnSp>
       <p:sp>
         <p:nvSpPr>
           <p:cNvPr id="30" name="Smiley Face 29"/>
